--- a/traktor/pics/folder_organization_dj_genres.pptx
+++ b/traktor/pics/folder_organization_dj_genres.pptx
@@ -6,6 +6,7 @@
   </p:sldMasterIdLst>
   <p:sldIdLst>
     <p:sldId id="256" r:id="rId2"/>
+    <p:sldId id="257" r:id="rId3"/>
   </p:sldIdLst>
   <p:sldSz cx="9144000" cy="6858000" type="screen4x3"/>
   <p:notesSz cx="6858000" cy="9144000"/>
@@ -289,7 +290,7 @@
             <a:fld id="{1D8BD707-D9CF-40AE-B4C6-C98DA3205C09}" type="datetimeFigureOut">
               <a:rPr lang="en-US" smtClean="0"/>
               <a:pPr/>
-              <a:t>10/19/2019</a:t>
+              <a:t>4/7/2020</a:t>
             </a:fld>
             <a:endParaRPr lang="en-US"/>
           </a:p>
@@ -456,7 +457,7 @@
             <a:fld id="{1D8BD707-D9CF-40AE-B4C6-C98DA3205C09}" type="datetimeFigureOut">
               <a:rPr lang="en-US" smtClean="0"/>
               <a:pPr/>
-              <a:t>10/19/2019</a:t>
+              <a:t>4/7/2020</a:t>
             </a:fld>
             <a:endParaRPr lang="en-US"/>
           </a:p>
@@ -633,7 +634,7 @@
             <a:fld id="{1D8BD707-D9CF-40AE-B4C6-C98DA3205C09}" type="datetimeFigureOut">
               <a:rPr lang="en-US" smtClean="0"/>
               <a:pPr/>
-              <a:t>10/19/2019</a:t>
+              <a:t>4/7/2020</a:t>
             </a:fld>
             <a:endParaRPr lang="en-US"/>
           </a:p>
@@ -800,7 +801,7 @@
             <a:fld id="{1D8BD707-D9CF-40AE-B4C6-C98DA3205C09}" type="datetimeFigureOut">
               <a:rPr lang="en-US" smtClean="0"/>
               <a:pPr/>
-              <a:t>10/19/2019</a:t>
+              <a:t>4/7/2020</a:t>
             </a:fld>
             <a:endParaRPr lang="en-US"/>
           </a:p>
@@ -1043,7 +1044,7 @@
             <a:fld id="{1D8BD707-D9CF-40AE-B4C6-C98DA3205C09}" type="datetimeFigureOut">
               <a:rPr lang="en-US" smtClean="0"/>
               <a:pPr/>
-              <a:t>10/19/2019</a:t>
+              <a:t>4/7/2020</a:t>
             </a:fld>
             <a:endParaRPr lang="en-US"/>
           </a:p>
@@ -1328,7 +1329,7 @@
             <a:fld id="{1D8BD707-D9CF-40AE-B4C6-C98DA3205C09}" type="datetimeFigureOut">
               <a:rPr lang="en-US" smtClean="0"/>
               <a:pPr/>
-              <a:t>10/19/2019</a:t>
+              <a:t>4/7/2020</a:t>
             </a:fld>
             <a:endParaRPr lang="en-US"/>
           </a:p>
@@ -1747,7 +1748,7 @@
             <a:fld id="{1D8BD707-D9CF-40AE-B4C6-C98DA3205C09}" type="datetimeFigureOut">
               <a:rPr lang="en-US" smtClean="0"/>
               <a:pPr/>
-              <a:t>10/19/2019</a:t>
+              <a:t>4/7/2020</a:t>
             </a:fld>
             <a:endParaRPr lang="en-US"/>
           </a:p>
@@ -1862,7 +1863,7 @@
             <a:fld id="{1D8BD707-D9CF-40AE-B4C6-C98DA3205C09}" type="datetimeFigureOut">
               <a:rPr lang="en-US" smtClean="0"/>
               <a:pPr/>
-              <a:t>10/19/2019</a:t>
+              <a:t>4/7/2020</a:t>
             </a:fld>
             <a:endParaRPr lang="en-US"/>
           </a:p>
@@ -1954,7 +1955,7 @@
             <a:fld id="{1D8BD707-D9CF-40AE-B4C6-C98DA3205C09}" type="datetimeFigureOut">
               <a:rPr lang="en-US" smtClean="0"/>
               <a:pPr/>
-              <a:t>10/19/2019</a:t>
+              <a:t>4/7/2020</a:t>
             </a:fld>
             <a:endParaRPr lang="en-US"/>
           </a:p>
@@ -2228,7 +2229,7 @@
             <a:fld id="{1D8BD707-D9CF-40AE-B4C6-C98DA3205C09}" type="datetimeFigureOut">
               <a:rPr lang="en-US" smtClean="0"/>
               <a:pPr/>
-              <a:t>10/19/2019</a:t>
+              <a:t>4/7/2020</a:t>
             </a:fld>
             <a:endParaRPr lang="en-US"/>
           </a:p>
@@ -2478,7 +2479,7 @@
             <a:fld id="{1D8BD707-D9CF-40AE-B4C6-C98DA3205C09}" type="datetimeFigureOut">
               <a:rPr lang="en-US" smtClean="0"/>
               <a:pPr/>
-              <a:t>10/19/2019</a:t>
+              <a:t>4/7/2020</a:t>
             </a:fld>
             <a:endParaRPr lang="en-US"/>
           </a:p>
@@ -2688,7 +2689,7 @@
             <a:fld id="{1D8BD707-D9CF-40AE-B4C6-C98DA3205C09}" type="datetimeFigureOut">
               <a:rPr lang="en-US" smtClean="0"/>
               <a:pPr/>
-              <a:t>10/19/2019</a:t>
+              <a:t>4/7/2020</a:t>
             </a:fld>
             <a:endParaRPr lang="en-US"/>
           </a:p>
@@ -3422,6 +3423,74 @@
 </p:sld>
 </file>
 
+<file path=ppt/slides/slide2.xml><?xml version="1.0" encoding="utf-8"?>
+<p:sld xmlns:a="http://schemas.openxmlformats.org/drawingml/2006/main" xmlns:r="http://schemas.openxmlformats.org/officeDocument/2006/relationships" xmlns:p="http://schemas.openxmlformats.org/presentationml/2006/main">
+  <p:cSld>
+    <p:spTree>
+      <p:nvGrpSpPr>
+        <p:cNvPr id="1" name=""/>
+        <p:cNvGrpSpPr/>
+        <p:nvPr/>
+      </p:nvGrpSpPr>
+      <p:grpSpPr>
+        <a:xfrm>
+          <a:off x="0" y="0"/>
+          <a:ext cx="0" cy="0"/>
+          <a:chOff x="0" y="0"/>
+          <a:chExt cx="0" cy="0"/>
+        </a:xfrm>
+      </p:grpSpPr>
+      <p:sp>
+        <p:nvSpPr>
+          <p:cNvPr id="2" name="Title 1"/>
+          <p:cNvSpPr>
+            <a:spLocks noGrp="1"/>
+          </p:cNvSpPr>
+          <p:nvPr>
+            <p:ph type="title"/>
+          </p:nvPr>
+        </p:nvSpPr>
+        <p:spPr/>
+        <p:txBody>
+          <a:bodyPr/>
+          <a:lstStyle/>
+          <a:p>
+            <a:endParaRPr lang="en-US"/>
+          </a:p>
+        </p:txBody>
+      </p:sp>
+      <p:sp>
+        <p:nvSpPr>
+          <p:cNvPr id="3" name="Content Placeholder 2"/>
+          <p:cNvSpPr>
+            <a:spLocks noGrp="1"/>
+          </p:cNvSpPr>
+          <p:nvPr>
+            <p:ph idx="1"/>
+          </p:nvPr>
+        </p:nvSpPr>
+        <p:spPr/>
+        <p:txBody>
+          <a:bodyPr/>
+          <a:lstStyle/>
+          <a:p>
+            <a:endParaRPr lang="en-US"/>
+          </a:p>
+        </p:txBody>
+      </p:sp>
+    </p:spTree>
+    <p:extLst>
+      <p:ext uri="{BB962C8B-B14F-4D97-AF65-F5344CB8AC3E}">
+        <p14:creationId xmlns:p14="http://schemas.microsoft.com/office/powerpoint/2010/main" val="2441630172"/>
+      </p:ext>
+    </p:extLst>
+  </p:cSld>
+  <p:clrMapOvr>
+    <a:masterClrMapping/>
+  </p:clrMapOvr>
+</p:sld>
+</file>
+
 <file path=ppt/theme/theme1.xml><?xml version="1.0" encoding="utf-8"?>
 <a:theme xmlns:a="http://schemas.openxmlformats.org/drawingml/2006/main" name="Office Theme">
   <a:themeElements>
